--- a/Adventurer's Arena.pptx
+++ b/Adventurer's Arena.pptx
@@ -22,13 +22,13 @@
   <p:notesSz cx="6858000" cy="9144000"/>
   <p:embeddedFontLst>
     <p:embeddedFont>
-      <p:font typeface="Merienda" panose="020B0604020202020204" charset="0"/>
+      <p:font typeface="MedievalSharp" panose="020B0604020202020204" charset="0"/>
       <p:regular r:id="rId12"/>
-      <p:bold r:id="rId13"/>
     </p:embeddedFont>
     <p:embeddedFont>
-      <p:font typeface="MedievalSharp" panose="020B0604020202020204" charset="0"/>
-      <p:regular r:id="rId14"/>
+      <p:font typeface="Merienda" panose="020B0604020202020204" charset="0"/>
+      <p:regular r:id="rId13"/>
+      <p:bold r:id="rId14"/>
     </p:embeddedFont>
   </p:embeddedFontLst>
   <p:defaultTextStyle>
@@ -6617,7 +6617,7 @@
               <a:buNone/>
             </a:pPr>
             <a:r>
-              <a:rPr lang="en" sz="1800" b="1" dirty="0" smtClean="0">
+              <a:rPr lang="en" sz="1800" b="1" dirty="0">
                 <a:solidFill>
                   <a:schemeClr val="lt1"/>
                 </a:solidFill>
@@ -6629,7 +6629,7 @@
               <a:t>By Team: </a:t>
             </a:r>
             <a:r>
-              <a:rPr lang="en" sz="1800" dirty="0" smtClean="0">
+              <a:rPr lang="en" sz="1800" dirty="0">
                 <a:solidFill>
                   <a:schemeClr val="lt1"/>
                 </a:solidFill>
@@ -6651,7 +6651,7 @@
               </a:spcAft>
               <a:buNone/>
             </a:pPr>
-            <a:endParaRPr lang="en" sz="1800" dirty="0" smtClean="0">
+            <a:endParaRPr lang="en" sz="1800" dirty="0">
               <a:solidFill>
                 <a:schemeClr val="lt1"/>
               </a:solidFill>
@@ -6672,7 +6672,7 @@
               <a:buNone/>
             </a:pPr>
             <a:r>
-              <a:rPr lang="en" sz="1800" b="1" dirty="0" smtClean="0">
+              <a:rPr lang="en" sz="1800" b="1" dirty="0">
                 <a:solidFill>
                   <a:schemeClr val="lt1"/>
                 </a:solidFill>
@@ -6695,18 +6695,6 @@
               <a:buNone/>
             </a:pPr>
             <a:r>
-              <a:rPr lang="en" sz="1800" dirty="0" smtClean="0">
-                <a:solidFill>
-                  <a:schemeClr val="lt1"/>
-                </a:solidFill>
-                <a:latin typeface="Merienda"/>
-                <a:ea typeface="Merienda"/>
-                <a:cs typeface="Merienda"/>
-                <a:sym typeface="Merienda"/>
-              </a:rPr>
-              <a:t>Shiv </a:t>
-            </a:r>
-            <a:r>
               <a:rPr lang="en" sz="1800" dirty="0">
                 <a:solidFill>
                   <a:schemeClr val="lt1"/>
@@ -6716,31 +6704,7 @@
                 <a:cs typeface="Merienda"/>
                 <a:sym typeface="Merienda"/>
               </a:rPr>
-              <a:t>Shakti Rai            </a:t>
-            </a:r>
-            <a:r>
-              <a:rPr lang="en" sz="1800" dirty="0" smtClean="0">
-                <a:solidFill>
-                  <a:schemeClr val="lt1"/>
-                </a:solidFill>
-                <a:latin typeface="Merienda"/>
-                <a:ea typeface="Merienda"/>
-                <a:cs typeface="Merienda"/>
-                <a:sym typeface="Merienda"/>
-              </a:rPr>
-              <a:t>   	Abhishek </a:t>
-            </a:r>
-            <a:r>
-              <a:rPr lang="en" sz="1800" dirty="0">
-                <a:solidFill>
-                  <a:schemeClr val="lt1"/>
-                </a:solidFill>
-                <a:latin typeface="Merienda"/>
-                <a:ea typeface="Merienda"/>
-                <a:cs typeface="Merienda"/>
-                <a:sym typeface="Merienda"/>
-              </a:rPr>
-              <a:t>Goyal</a:t>
+              <a:t>Shiv Shakti Rai               	Abhishek Goyal</a:t>
             </a:r>
             <a:endParaRPr sz="1800" dirty="0">
               <a:solidFill>
@@ -8569,7 +8533,7 @@
               <a:buNone/>
             </a:pPr>
             <a:r>
-              <a:rPr lang="en" sz="1300" b="1">
+              <a:rPr lang="en" sz="1300" b="1" dirty="0">
                 <a:solidFill>
                   <a:schemeClr val="lt1"/>
                 </a:solidFill>
@@ -8581,7 +8545,7 @@
               <a:t>Smart Contracts and blockchain</a:t>
             </a:r>
             <a:r>
-              <a:rPr lang="en" sz="1300">
+              <a:rPr lang="en" sz="1300" dirty="0">
                 <a:solidFill>
                   <a:schemeClr val="lt1"/>
                 </a:solidFill>
@@ -8592,7 +8556,7 @@
               </a:rPr>
               <a:t>:</a:t>
             </a:r>
-            <a:endParaRPr sz="1300">
+            <a:endParaRPr sz="1300" dirty="0">
               <a:solidFill>
                 <a:schemeClr val="lt1"/>
               </a:solidFill>
@@ -8620,7 +8584,7 @@
               <a:buChar char="●"/>
             </a:pPr>
             <a:r>
-              <a:rPr lang="en" sz="1300" b="1">
+              <a:rPr lang="en" sz="1300" b="1" dirty="0">
                 <a:solidFill>
                   <a:schemeClr val="lt1"/>
                 </a:solidFill>
@@ -8632,7 +8596,7 @@
               <a:t>Foundry</a:t>
             </a:r>
             <a:r>
-              <a:rPr lang="en" sz="1300">
+              <a:rPr lang="en" sz="1300" dirty="0">
                 <a:solidFill>
                   <a:schemeClr val="lt1"/>
                 </a:solidFill>
@@ -8643,7 +8607,7 @@
               </a:rPr>
               <a:t>: Creation, testing and deployment of smart contracts</a:t>
             </a:r>
-            <a:endParaRPr sz="1300">
+            <a:endParaRPr sz="1300" dirty="0">
               <a:solidFill>
                 <a:schemeClr val="lt1"/>
               </a:solidFill>
@@ -8671,7 +8635,7 @@
               <a:buChar char="●"/>
             </a:pPr>
             <a:r>
-              <a:rPr lang="en" sz="1300" b="1">
+              <a:rPr lang="en" sz="1300" b="1" dirty="0">
                 <a:solidFill>
                   <a:schemeClr val="lt1"/>
                 </a:solidFill>
@@ -8680,10 +8644,10 @@
                 <a:cs typeface="Merienda"/>
                 <a:sym typeface="Merienda"/>
               </a:rPr>
-              <a:t>Shape: </a:t>
+              <a:t>Etherlink Testnet: </a:t>
             </a:r>
             <a:r>
-              <a:rPr lang="en" sz="1300">
+              <a:rPr lang="en" sz="1300" dirty="0">
                 <a:solidFill>
                   <a:schemeClr val="lt1"/>
                 </a:solidFill>
@@ -8692,9 +8656,21 @@
                 <a:cs typeface="Merienda"/>
                 <a:sym typeface="Merienda"/>
               </a:rPr>
-              <a:t>The chain which started this project.</a:t>
+              <a:t>The chain </a:t>
             </a:r>
-            <a:endParaRPr sz="1300">
+            <a:r>
+              <a:rPr lang="en-US" sz="1300" dirty="0">
+                <a:solidFill>
+                  <a:schemeClr val="lt1"/>
+                </a:solidFill>
+                <a:latin typeface="Merienda"/>
+                <a:ea typeface="Merienda"/>
+                <a:cs typeface="Merienda"/>
+                <a:sym typeface="Merienda"/>
+              </a:rPr>
+              <a:t>on which the game is deployed</a:t>
+            </a:r>
+            <a:endParaRPr sz="1300" dirty="0">
               <a:solidFill>
                 <a:schemeClr val="lt1"/>
               </a:solidFill>
@@ -8717,7 +8693,7 @@
               </a:spcAft>
               <a:buNone/>
             </a:pPr>
-            <a:endParaRPr sz="1300">
+            <a:endParaRPr sz="1300" dirty="0">
               <a:solidFill>
                 <a:schemeClr val="lt1"/>
               </a:solidFill>
@@ -8742,7 +8718,7 @@
               <a:buNone/>
             </a:pPr>
             <a:r>
-              <a:rPr lang="en" sz="1300" b="1">
+              <a:rPr lang="en" sz="1300" b="1" dirty="0">
                 <a:solidFill>
                   <a:schemeClr val="lt1"/>
                 </a:solidFill>
@@ -8754,7 +8730,7 @@
               <a:t>Blockchain Connection</a:t>
             </a:r>
             <a:r>
-              <a:rPr lang="en" sz="1300">
+              <a:rPr lang="en" sz="1300" dirty="0">
                 <a:solidFill>
                   <a:schemeClr val="lt1"/>
                 </a:solidFill>
@@ -8765,7 +8741,7 @@
               </a:rPr>
               <a:t>:</a:t>
             </a:r>
-            <a:endParaRPr sz="1300">
+            <a:endParaRPr sz="1300" dirty="0">
               <a:solidFill>
                 <a:schemeClr val="lt1"/>
               </a:solidFill>
@@ -8793,7 +8769,7 @@
               <a:buChar char="●"/>
             </a:pPr>
             <a:r>
-              <a:rPr lang="en" sz="1300" b="1">
+              <a:rPr lang="en" sz="1300" b="1" dirty="0">
                 <a:solidFill>
                   <a:schemeClr val="lt1"/>
                 </a:solidFill>
@@ -8805,7 +8781,7 @@
               <a:t>Ethers</a:t>
             </a:r>
             <a:r>
-              <a:rPr lang="en" sz="1300">
+              <a:rPr lang="en" sz="1300" dirty="0">
                 <a:solidFill>
                   <a:schemeClr val="lt1"/>
                 </a:solidFill>
@@ -8816,7 +8792,7 @@
               </a:rPr>
               <a:t>: Setting up connection to contracts.</a:t>
             </a:r>
-            <a:endParaRPr sz="1300">
+            <a:endParaRPr sz="1300" dirty="0">
               <a:solidFill>
                 <a:schemeClr val="lt1"/>
               </a:solidFill>
@@ -8845,7 +8821,7 @@
               <a:buChar char="●"/>
             </a:pPr>
             <a:r>
-              <a:rPr lang="en" sz="1300" b="1">
+              <a:rPr lang="en" sz="1300" b="1" dirty="0">
                 <a:solidFill>
                   <a:schemeClr val="lt1"/>
                 </a:solidFill>
@@ -8857,7 +8833,7 @@
               <a:t>Alchemy SDK</a:t>
             </a:r>
             <a:r>
-              <a:rPr lang="en" sz="1300">
+              <a:rPr lang="en" sz="1300" dirty="0">
                 <a:solidFill>
                   <a:schemeClr val="lt1"/>
                 </a:solidFill>
@@ -8868,7 +8844,7 @@
               </a:rPr>
               <a:t>: Integration of Shape Keys NFTs.</a:t>
             </a:r>
-            <a:endParaRPr sz="1300">
+            <a:endParaRPr sz="1300" dirty="0">
               <a:solidFill>
                 <a:schemeClr val="lt1"/>
               </a:solidFill>
@@ -10193,17 +10169,11 @@
           </a:bodyPr>
           <a:lstStyle/>
           <a:p>
-            <a:pPr marL="0" lvl="0" indent="0" algn="l" rtl="0">
-              <a:spcBef>
-                <a:spcPts val="0"/>
-              </a:spcBef>
-              <a:spcAft>
-                <a:spcPts val="0"/>
-              </a:spcAft>
+            <a:pPr marL="0" lvl="0" indent="0">
               <a:buNone/>
             </a:pPr>
             <a:r>
-              <a:rPr lang="en" sz="1300" b="1">
+              <a:rPr lang="en" sz="1300" b="1" dirty="0">
                 <a:solidFill>
                   <a:schemeClr val="lt1"/>
                 </a:solidFill>
@@ -10215,7 +10185,7 @@
               <a:t>Github Repo : </a:t>
             </a:r>
             <a:r>
-              <a:rPr lang="en" sz="1300" u="sng">
+              <a:rPr lang="en-US" sz="1300" u="sng" dirty="0">
                 <a:solidFill>
                   <a:schemeClr val="hlink"/>
                 </a:solidFill>
@@ -10225,9 +10195,23 @@
                 <a:sym typeface="Merienda"/>
                 <a:hlinkClick r:id="rId5"/>
               </a:rPr>
-              <a:t>https://github.com/ShivRaiGithub/adventurers-arena</a:t>
+              <a:t>https://github.com/Abhishekgoyal007/Adventurers-Arena</a:t>
             </a:r>
-            <a:endParaRPr sz="1300">
+            <a:endParaRPr lang="en-US" sz="1300" u="sng" dirty="0">
+              <a:solidFill>
+                <a:schemeClr val="hlink"/>
+              </a:solidFill>
+              <a:latin typeface="Merienda"/>
+              <a:ea typeface="Merienda"/>
+              <a:cs typeface="Merienda"/>
+              <a:sym typeface="Merienda"/>
+            </a:endParaRPr>
+          </a:p>
+          <a:p>
+            <a:pPr marL="0" lvl="0" indent="0">
+              <a:buNone/>
+            </a:pPr>
+            <a:endParaRPr sz="1300" dirty="0">
               <a:solidFill>
                 <a:schemeClr val="lt1"/>
               </a:solidFill>
@@ -10247,28 +10231,8 @@
               </a:spcAft>
               <a:buNone/>
             </a:pPr>
-            <a:endParaRPr sz="1300">
-              <a:solidFill>
-                <a:schemeClr val="lt1"/>
-              </a:solidFill>
-              <a:latin typeface="Merienda"/>
-              <a:ea typeface="Merienda"/>
-              <a:cs typeface="Merienda"/>
-              <a:sym typeface="Merienda"/>
-            </a:endParaRPr>
-          </a:p>
-          <a:p>
-            <a:pPr marL="0" lvl="0" indent="0" algn="l" rtl="0">
-              <a:spcBef>
-                <a:spcPts val="1200"/>
-              </a:spcBef>
-              <a:spcAft>
-                <a:spcPts val="0"/>
-              </a:spcAft>
-              <a:buNone/>
-            </a:pPr>
             <a:r>
-              <a:rPr lang="en" sz="1300" b="1">
+              <a:rPr lang="en" sz="1300" b="1" dirty="0">
                 <a:solidFill>
                   <a:schemeClr val="lt1"/>
                 </a:solidFill>
@@ -10280,7 +10244,7 @@
               <a:t>Deployed Site : </a:t>
             </a:r>
             <a:r>
-              <a:rPr lang="en" sz="1300" u="sng">
+              <a:rPr lang="en" sz="1300" u="sng" dirty="0">
                 <a:solidFill>
                   <a:schemeClr val="hlink"/>
                 </a:solidFill>
@@ -10292,7 +10256,7 @@
               </a:rPr>
               <a:t>https://adventurers-arena.vercel.app</a:t>
             </a:r>
-            <a:endParaRPr sz="1300" b="1">
+            <a:endParaRPr sz="1300" b="1" dirty="0">
               <a:solidFill>
                 <a:schemeClr val="lt1"/>
               </a:solidFill>
@@ -10312,7 +10276,7 @@
               </a:spcAft>
               <a:buNone/>
             </a:pPr>
-            <a:endParaRPr sz="1300" b="1">
+            <a:endParaRPr sz="1300" b="1" dirty="0">
               <a:solidFill>
                 <a:schemeClr val="lt1"/>
               </a:solidFill>
@@ -10333,7 +10297,7 @@
               <a:buNone/>
             </a:pPr>
             <a:r>
-              <a:rPr lang="en" sz="1300">
+              <a:rPr lang="en" sz="1300" dirty="0">
                 <a:solidFill>
                   <a:schemeClr val="lt1"/>
                 </a:solidFill>
@@ -10344,7 +10308,7 @@
               </a:rPr>
               <a:t>You can clone the repo to work on your local machine or go to the site to play for yourself.</a:t>
             </a:r>
-            <a:endParaRPr sz="1300">
+            <a:endParaRPr sz="1300" dirty="0">
               <a:solidFill>
                 <a:schemeClr val="lt1"/>
               </a:solidFill>
@@ -10365,7 +10329,7 @@
               <a:buNone/>
             </a:pPr>
             <a:r>
-              <a:rPr lang="en" sz="1300">
+              <a:rPr lang="en" sz="1300" dirty="0">
                 <a:solidFill>
                   <a:schemeClr val="lt1"/>
                 </a:solidFill>
@@ -10376,7 +10340,7 @@
               </a:rPr>
               <a:t>Basic Instructions are present on ‘How to Play’ on Home screen of the app.</a:t>
             </a:r>
-            <a:endParaRPr sz="1300">
+            <a:endParaRPr sz="1300" dirty="0">
               <a:solidFill>
                 <a:schemeClr val="lt1"/>
               </a:solidFill>
